--- a/assets/logo/logo.pptx
+++ b/assets/logo/logo.pptx
@@ -104,6 +104,11 @@
       </a:defRPr>
     </a:lvl9pPr>
   </p:defaultTextStyle>
+  <p:extLst>
+    <p:ext uri="{EFAFB233-063F-42B5-8137-9DF3F51BA10A}">
+      <p15:sldGuideLst xmlns:p15="http://schemas.microsoft.com/office/powerpoint/2012/main"/>
+    </p:ext>
+  </p:extLst>
 </p:presentation>
 </file>
 
@@ -3615,8 +3620,8 @@
         </p:nvSpPr>
         <p:spPr>
           <a:xfrm>
-            <a:off x="7177095" y="4792230"/>
-            <a:ext cx="954740" cy="954656"/>
+            <a:off x="7177094" y="3654005"/>
+            <a:ext cx="2093065" cy="2092881"/>
           </a:xfrm>
           <a:prstGeom prst="roundRect">
             <a:avLst>
@@ -3677,13 +3682,13 @@
               </a:ext>
             </a:extLst>
           </a:blip>
-          <a:srcRect t="19149" b="38551"/>
+          <a:srcRect t="19149" r="9999" b="41599"/>
           <a:stretch/>
         </p:blipFill>
         <p:spPr bwMode="auto">
           <a:xfrm>
-            <a:off x="7553184" y="4996121"/>
-            <a:ext cx="570398" cy="239844"/>
+            <a:off x="7947359" y="4083186"/>
+            <a:ext cx="1157942" cy="502009"/>
           </a:xfrm>
           <a:prstGeom prst="rect">
             <a:avLst/>
@@ -3700,53 +3705,6 @@
           </a:extLst>
         </p:spPr>
       </p:pic>
-      <p:sp>
-        <p:nvSpPr>
-          <p:cNvPr id="26" name="TextBox 25">
-            <a:extLst>
-              <a:ext uri="{FF2B5EF4-FFF2-40B4-BE49-F238E27FC236}">
-                <a16:creationId xmlns:a16="http://schemas.microsoft.com/office/drawing/2014/main" id="{2585D297-36CE-6DC3-ECCE-4F24DB6A4AD3}"/>
-              </a:ext>
-            </a:extLst>
-          </p:cNvPr>
-          <p:cNvSpPr txBox="1"/>
-          <p:nvPr/>
-        </p:nvSpPr>
-        <p:spPr>
-          <a:xfrm>
-            <a:off x="7580166" y="4926947"/>
-            <a:ext cx="511679" cy="830997"/>
-          </a:xfrm>
-          <a:prstGeom prst="rect">
-            <a:avLst/>
-          </a:prstGeom>
-          <a:noFill/>
-        </p:spPr>
-        <p:txBody>
-          <a:bodyPr wrap="none" rtlCol="0">
-            <a:spAutoFit/>
-          </a:bodyPr>
-          <a:lstStyle/>
-          <a:p>
-            <a:r>
-              <a:rPr lang="en-US" sz="4800" dirty="0">
-                <a:ln>
-                  <a:solidFill>
-                    <a:srgbClr val="FF0000"/>
-                  </a:solidFill>
-                </a:ln>
-                <a:solidFill>
-                  <a:schemeClr val="bg1"/>
-                </a:solidFill>
-                <a:latin typeface="Forte" panose="03060902040502070203" pitchFamily="66" charset="0"/>
-                <a:ea typeface="Cascadia Code SemiBold" panose="020B0609020000020004" pitchFamily="49" charset="0"/>
-                <a:cs typeface="BrowalliaUPC" panose="020B0502040204020203" pitchFamily="34" charset="-34"/>
-              </a:rPr>
-              <a:t>u</a:t>
-            </a:r>
-          </a:p>
-        </p:txBody>
-      </p:sp>
       <p:pic>
         <p:nvPicPr>
           <p:cNvPr id="22" name="Picture 4" descr="Number 4 png images | PNGWing">
@@ -3793,8 +3751,8 @@
         </p:blipFill>
         <p:spPr bwMode="auto">
           <a:xfrm>
-            <a:off x="7260939" y="4945811"/>
-            <a:ext cx="491223" cy="693039"/>
+            <a:off x="7413142" y="4084536"/>
+            <a:ext cx="974412" cy="1374743"/>
           </a:xfrm>
           <a:prstGeom prst="rect">
             <a:avLst/>
@@ -3844,6 +3802,53 @@
           </a:prstGeom>
         </p:spPr>
       </p:pic>
+      <p:sp>
+        <p:nvSpPr>
+          <p:cNvPr id="26" name="TextBox 25">
+            <a:extLst>
+              <a:ext uri="{FF2B5EF4-FFF2-40B4-BE49-F238E27FC236}">
+                <a16:creationId xmlns:a16="http://schemas.microsoft.com/office/drawing/2014/main" id="{2585D297-36CE-6DC3-ECCE-4F24DB6A4AD3}"/>
+              </a:ext>
+            </a:extLst>
+          </p:cNvPr>
+          <p:cNvSpPr txBox="1"/>
+          <p:nvPr/>
+        </p:nvSpPr>
+        <p:spPr>
+          <a:xfrm>
+            <a:off x="8151912" y="4083186"/>
+            <a:ext cx="838691" cy="1569660"/>
+          </a:xfrm>
+          <a:prstGeom prst="rect">
+            <a:avLst/>
+          </a:prstGeom>
+          <a:noFill/>
+        </p:spPr>
+        <p:txBody>
+          <a:bodyPr wrap="none" rtlCol="0">
+            <a:spAutoFit/>
+          </a:bodyPr>
+          <a:lstStyle/>
+          <a:p>
+            <a:r>
+              <a:rPr lang="en-US" sz="9600" dirty="0">
+                <a:ln>
+                  <a:solidFill>
+                    <a:srgbClr val="FF0000"/>
+                  </a:solidFill>
+                </a:ln>
+                <a:solidFill>
+                  <a:schemeClr val="bg1"/>
+                </a:solidFill>
+                <a:latin typeface="Forte" panose="03060902040502070203" pitchFamily="66" charset="0"/>
+                <a:ea typeface="Cascadia Code SemiBold" panose="020B0609020000020004" pitchFamily="49" charset="0"/>
+                <a:cs typeface="BrowalliaUPC" panose="020B0502040204020203" pitchFamily="34" charset="-34"/>
+              </a:rPr>
+              <a:t>u</a:t>
+            </a:r>
+          </a:p>
+        </p:txBody>
+      </p:sp>
     </p:spTree>
     <p:extLst>
       <p:ext uri="{BB962C8B-B14F-4D97-AF65-F5344CB8AC3E}">
